--- a/calendario/documentos/PresentacionParejas.pptx
+++ b/calendario/documentos/PresentacionParejas.pptx
@@ -243,7 +243,7 @@
           <a:p>
             <a:fld id="{E97157D3-2ADA-4B5E-AEBF-89124DB7AD79}" type="datetimeFigureOut">
               <a:rPr lang="es-MX" smtClean="0"/>
-              <a:t>12/08/2019</a:t>
+              <a:t>13/08/2019</a:t>
             </a:fld>
             <a:endParaRPr lang="es-MX"/>
           </a:p>
@@ -413,7 +413,7 @@
           <a:p>
             <a:fld id="{E97157D3-2ADA-4B5E-AEBF-89124DB7AD79}" type="datetimeFigureOut">
               <a:rPr lang="es-MX" smtClean="0"/>
-              <a:t>12/08/2019</a:t>
+              <a:t>13/08/2019</a:t>
             </a:fld>
             <a:endParaRPr lang="es-MX"/>
           </a:p>
@@ -593,7 +593,7 @@
           <a:p>
             <a:fld id="{E97157D3-2ADA-4B5E-AEBF-89124DB7AD79}" type="datetimeFigureOut">
               <a:rPr lang="es-MX" smtClean="0"/>
-              <a:t>12/08/2019</a:t>
+              <a:t>13/08/2019</a:t>
             </a:fld>
             <a:endParaRPr lang="es-MX"/>
           </a:p>
@@ -763,7 +763,7 @@
           <a:p>
             <a:fld id="{E97157D3-2ADA-4B5E-AEBF-89124DB7AD79}" type="datetimeFigureOut">
               <a:rPr lang="es-MX" smtClean="0"/>
-              <a:t>12/08/2019</a:t>
+              <a:t>13/08/2019</a:t>
             </a:fld>
             <a:endParaRPr lang="es-MX"/>
           </a:p>
@@ -1009,7 +1009,7 @@
           <a:p>
             <a:fld id="{E97157D3-2ADA-4B5E-AEBF-89124DB7AD79}" type="datetimeFigureOut">
               <a:rPr lang="es-MX" smtClean="0"/>
-              <a:t>12/08/2019</a:t>
+              <a:t>13/08/2019</a:t>
             </a:fld>
             <a:endParaRPr lang="es-MX"/>
           </a:p>
@@ -1241,7 +1241,7 @@
           <a:p>
             <a:fld id="{E97157D3-2ADA-4B5E-AEBF-89124DB7AD79}" type="datetimeFigureOut">
               <a:rPr lang="es-MX" smtClean="0"/>
-              <a:t>12/08/2019</a:t>
+              <a:t>13/08/2019</a:t>
             </a:fld>
             <a:endParaRPr lang="es-MX"/>
           </a:p>
@@ -1608,7 +1608,7 @@
           <a:p>
             <a:fld id="{E97157D3-2ADA-4B5E-AEBF-89124DB7AD79}" type="datetimeFigureOut">
               <a:rPr lang="es-MX" smtClean="0"/>
-              <a:t>12/08/2019</a:t>
+              <a:t>13/08/2019</a:t>
             </a:fld>
             <a:endParaRPr lang="es-MX"/>
           </a:p>
@@ -1726,7 +1726,7 @@
           <a:p>
             <a:fld id="{E97157D3-2ADA-4B5E-AEBF-89124DB7AD79}" type="datetimeFigureOut">
               <a:rPr lang="es-MX" smtClean="0"/>
-              <a:t>12/08/2019</a:t>
+              <a:t>13/08/2019</a:t>
             </a:fld>
             <a:endParaRPr lang="es-MX"/>
           </a:p>
@@ -1821,7 +1821,7 @@
           <a:p>
             <a:fld id="{E97157D3-2ADA-4B5E-AEBF-89124DB7AD79}" type="datetimeFigureOut">
               <a:rPr lang="es-MX" smtClean="0"/>
-              <a:t>12/08/2019</a:t>
+              <a:t>13/08/2019</a:t>
             </a:fld>
             <a:endParaRPr lang="es-MX"/>
           </a:p>
@@ -2098,7 +2098,7 @@
           <a:p>
             <a:fld id="{E97157D3-2ADA-4B5E-AEBF-89124DB7AD79}" type="datetimeFigureOut">
               <a:rPr lang="es-MX" smtClean="0"/>
-              <a:t>12/08/2019</a:t>
+              <a:t>13/08/2019</a:t>
             </a:fld>
             <a:endParaRPr lang="es-MX"/>
           </a:p>
@@ -2351,7 +2351,7 @@
           <a:p>
             <a:fld id="{E97157D3-2ADA-4B5E-AEBF-89124DB7AD79}" type="datetimeFigureOut">
               <a:rPr lang="es-MX" smtClean="0"/>
-              <a:t>12/08/2019</a:t>
+              <a:t>13/08/2019</a:t>
             </a:fld>
             <a:endParaRPr lang="es-MX"/>
           </a:p>
@@ -2564,7 +2564,7 @@
           <a:p>
             <a:fld id="{E97157D3-2ADA-4B5E-AEBF-89124DB7AD79}" type="datetimeFigureOut">
               <a:rPr lang="es-MX" smtClean="0"/>
-              <a:t>12/08/2019</a:t>
+              <a:t>13/08/2019</a:t>
             </a:fld>
             <a:endParaRPr lang="es-MX"/>
           </a:p>
@@ -2969,6 +2969,36 @@
           <a:chExt cx="0" cy="0"/>
         </a:xfrm>
       </p:grpSpPr>
+      <p:pic>
+        <p:nvPicPr>
+          <p:cNvPr id="3" name="Imagen 2"/>
+          <p:cNvPicPr>
+            <a:picLocks noChangeAspect="1"/>
+          </p:cNvPicPr>
+          <p:nvPr/>
+        </p:nvPicPr>
+        <p:blipFill>
+          <a:blip r:embed="rId2">
+            <a:extLst>
+              <a:ext uri="{28A0092B-C50C-407E-A947-70E740481C1C}">
+                <a14:useLocalDpi xmlns:a14="http://schemas.microsoft.com/office/drawing/2010/main" val="0"/>
+              </a:ext>
+            </a:extLst>
+          </a:blip>
+          <a:stretch>
+            <a:fillRect/>
+          </a:stretch>
+        </p:blipFill>
+        <p:spPr>
+          <a:xfrm>
+            <a:off x="7189694" y="1758070"/>
+            <a:ext cx="3810000" cy="3810000"/>
+          </a:xfrm>
+          <a:prstGeom prst="rect">
+            <a:avLst/>
+          </a:prstGeom>
+        </p:spPr>
+      </p:pic>
       <p:sp>
         <p:nvSpPr>
           <p:cNvPr id="6" name="CuadroTexto 5"/>
@@ -2977,8 +3007,8 @@
         </p:nvSpPr>
         <p:spPr>
           <a:xfrm>
-            <a:off x="2339963" y="2229676"/>
-            <a:ext cx="5311589" cy="3257174"/>
+            <a:off x="1748117" y="2001077"/>
+            <a:ext cx="5311589" cy="3323987"/>
           </a:xfrm>
           <a:prstGeom prst="rect">
             <a:avLst/>
@@ -3001,8 +3031,8 @@
             <a:r>
               <a:rPr lang="es-MX" sz="2800" b="1" dirty="0">
                 <a:solidFill>
-                  <a:schemeClr val="bg2">
-                    <a:lumMod val="50000"/>
+                  <a:schemeClr val="tx2">
+                    <a:lumMod val="75000"/>
                   </a:schemeClr>
                 </a:solidFill>
               </a:rPr>
@@ -3020,8 +3050,8 @@
             <a:r>
               <a:rPr lang="es-MX" sz="2800" b="1" dirty="0">
                 <a:solidFill>
-                  <a:schemeClr val="bg2">
-                    <a:lumMod val="50000"/>
+                  <a:schemeClr val="tx2">
+                    <a:lumMod val="75000"/>
                   </a:schemeClr>
                 </a:solidFill>
               </a:rPr>
@@ -3039,8 +3069,8 @@
             <a:r>
               <a:rPr lang="es-MX" sz="2800" b="1" dirty="0">
                 <a:solidFill>
-                  <a:schemeClr val="bg2">
-                    <a:lumMod val="50000"/>
+                  <a:schemeClr val="tx2">
+                    <a:lumMod val="75000"/>
                   </a:schemeClr>
                 </a:solidFill>
               </a:rPr>
@@ -3058,8 +3088,8 @@
             <a:r>
               <a:rPr lang="es-MX" sz="2800" b="1" dirty="0">
                 <a:solidFill>
-                  <a:schemeClr val="bg2">
-                    <a:lumMod val="50000"/>
+                  <a:schemeClr val="tx2">
+                    <a:lumMod val="75000"/>
                   </a:schemeClr>
                 </a:solidFill>
               </a:rPr>
@@ -3077,8 +3107,8 @@
             <a:r>
               <a:rPr lang="es-MX" sz="2800" b="1" dirty="0">
                 <a:solidFill>
-                  <a:schemeClr val="bg2">
-                    <a:lumMod val="50000"/>
+                  <a:schemeClr val="tx2">
+                    <a:lumMod val="75000"/>
                   </a:schemeClr>
                 </a:solidFill>
               </a:rPr>
@@ -3097,8 +3127,8 @@
         </p:nvSpPr>
         <p:spPr bwMode="auto">
           <a:xfrm>
-            <a:off x="927843" y="363071"/>
-            <a:ext cx="10273557" cy="1866605"/>
+            <a:off x="2378860" y="655412"/>
+            <a:ext cx="6984775" cy="990600"/>
           </a:xfrm>
           <a:prstGeom prst="rect">
             <a:avLst/>
@@ -3116,11 +3146,7 @@
           <a:bodyPr lIns="92075" tIns="46038" rIns="92075" bIns="46038" anchor="ctr"/>
           <a:lstStyle/>
           <a:p>
-            <a:pPr algn="ctr" eaLnBrk="0" hangingPunct="0">
-              <a:lnSpc>
-                <a:spcPts val="4000"/>
-              </a:lnSpc>
-            </a:pPr>
+            <a:pPr algn="ctr" eaLnBrk="0" hangingPunct="0"/>
             <a:r>
               <a:rPr lang="es-ES_tradnl" sz="4400" b="1" dirty="0">
                 <a:solidFill>
@@ -3137,15 +3163,11 @@
             </a:r>
           </a:p>
           <a:p>
-            <a:pPr algn="ctr" eaLnBrk="0" hangingPunct="0">
-              <a:lnSpc>
-                <a:spcPts val="4000"/>
-              </a:lnSpc>
-            </a:pPr>
+            <a:pPr algn="ctr" eaLnBrk="0" hangingPunct="0"/>
             <a:r>
               <a:rPr lang="es-ES_tradnl" sz="2400" b="1" dirty="0">
                 <a:solidFill>
-                  <a:srgbClr val="002060"/>
+                  <a:srgbClr val="0070C0"/>
                 </a:solidFill>
                 <a:effectLst>
                   <a:outerShdw blurRad="38100" dist="38100" dir="2700000" algn="tl">
